--- a/Presentation.pptx
+++ b/Presentation.pptx
@@ -15,8 +15,7 @@
     <p:sldId id="267" r:id="rId9"/>
     <p:sldId id="268" r:id="rId10"/>
     <p:sldId id="261" r:id="rId11"/>
-    <p:sldId id="264" r:id="rId12"/>
-    <p:sldId id="263" r:id="rId13"/>
+    <p:sldId id="263" r:id="rId12"/>
   </p:sldIdLst>
   <p:sldSz cx="12192000" cy="6858000"/>
   <p:notesSz cx="6858000" cy="9144000"/>
@@ -4226,122 +4225,6 @@
 <file path=ppt/slides/slide11.xml><?xml version="1.0" encoding="utf-8"?>
 <p:sld xmlns:a="http://schemas.openxmlformats.org/drawingml/2006/main" xmlns:r="http://schemas.openxmlformats.org/officeDocument/2006/relationships" xmlns:p="http://schemas.openxmlformats.org/presentationml/2006/main">
   <p:cSld>
-    <p:spTree>
-      <p:nvGrpSpPr>
-        <p:cNvPr id="1" name=""/>
-        <p:cNvGrpSpPr/>
-        <p:nvPr/>
-      </p:nvGrpSpPr>
-      <p:grpSpPr>
-        <a:xfrm>
-          <a:off x="0" y="0"/>
-          <a:ext cx="0" cy="0"/>
-          <a:chOff x="0" y="0"/>
-          <a:chExt cx="0" cy="0"/>
-        </a:xfrm>
-      </p:grpSpPr>
-      <p:sp>
-        <p:nvSpPr>
-          <p:cNvPr id="2" name="Title 1"/>
-          <p:cNvSpPr>
-            <a:spLocks noGrp="1"/>
-          </p:cNvSpPr>
-          <p:nvPr>
-            <p:ph type="title"/>
-          </p:nvPr>
-        </p:nvSpPr>
-        <p:spPr/>
-        <p:txBody>
-          <a:bodyPr>
-            <a:normAutofit fontScale="90000"/>
-          </a:bodyPr>
-          <a:lstStyle/>
-          <a:p>
-            <a:r>
-              <a:rPr lang="en-US" dirty="0"/>
-              <a:t>So what makes this project interesting?</a:t>
-            </a:r>
-          </a:p>
-        </p:txBody>
-      </p:sp>
-      <p:pic>
-        <p:nvPicPr>
-          <p:cNvPr id="5" name="Picture Placeholder 4"/>
-          <p:cNvPicPr>
-            <a:picLocks noGrp="1" noChangeAspect="1"/>
-          </p:cNvPicPr>
-          <p:nvPr>
-            <p:ph type="pic" idx="1"/>
-          </p:nvPr>
-        </p:nvPicPr>
-        <p:blipFill>
-          <a:blip r:embed="rId2">
-            <a:extLst>
-              <a:ext uri="{BEBA8EAE-BF5A-486C-A8C5-ECC9F3942E4B}">
-                <a14:imgProps xmlns:a14="http://schemas.microsoft.com/office/drawing/2010/main">
-                  <a14:imgLayer r:embed="rId3">
-                    <a14:imgEffect>
-                      <a14:sharpenSoften amount="33000"/>
-                    </a14:imgEffect>
-                  </a14:imgLayer>
-                </a14:imgProps>
-              </a:ext>
-              <a:ext uri="{28A0092B-C50C-407E-A947-70E740481C1C}">
-                <a14:useLocalDpi xmlns:a14="http://schemas.microsoft.com/office/drawing/2010/main" val="0"/>
-              </a:ext>
-            </a:extLst>
-          </a:blip>
-          <a:srcRect t="8708" b="8708"/>
-          <a:stretch>
-            <a:fillRect/>
-          </a:stretch>
-        </p:blipFill>
-        <p:spPr/>
-      </p:pic>
-      <p:sp>
-        <p:nvSpPr>
-          <p:cNvPr id="3" name="Content Placeholder 2"/>
-          <p:cNvSpPr>
-            <a:spLocks noGrp="1"/>
-          </p:cNvSpPr>
-          <p:nvPr>
-            <p:ph type="body" sz="half" idx="2"/>
-          </p:nvPr>
-        </p:nvSpPr>
-        <p:spPr/>
-        <p:txBody>
-          <a:bodyPr/>
-          <a:lstStyle/>
-          <a:p>
-            <a:r>
-              <a:rPr lang="en-US" dirty="0"/>
-              <a:t>-Benefits of this app</a:t>
-            </a:r>
-          </a:p>
-          <a:p>
-            <a:r>
-              <a:rPr lang="en-US" dirty="0"/>
-              <a:t>-Its possibilities </a:t>
-            </a:r>
-          </a:p>
-        </p:txBody>
-      </p:sp>
-    </p:spTree>
-    <p:extLst>
-      <p:ext uri="{BB962C8B-B14F-4D97-AF65-F5344CB8AC3E}">
-        <p14:creationId xmlns:p14="http://schemas.microsoft.com/office/powerpoint/2010/main" val="2182361575"/>
-      </p:ext>
-    </p:extLst>
-  </p:cSld>
-  <p:clrMapOvr>
-    <a:masterClrMapping/>
-  </p:clrMapOvr>
-</p:sld>
-</file>
-
-<file path=ppt/slides/slide12.xml><?xml version="1.0" encoding="utf-8"?>
-<p:sld xmlns:a="http://schemas.openxmlformats.org/drawingml/2006/main" xmlns:r="http://schemas.openxmlformats.org/officeDocument/2006/relationships" xmlns:p="http://schemas.openxmlformats.org/presentationml/2006/main">
-  <p:cSld>
     <p:bg>
       <p:bgPr>
         <a:blipFill>
@@ -5036,131 +4919,123 @@
           <a:chExt cx="0" cy="0"/>
         </a:xfrm>
       </p:grpSpPr>
+      <p:sp>
+        <p:nvSpPr>
+          <p:cNvPr id="2" name="Title 1"/>
+          <p:cNvSpPr>
+            <a:spLocks noGrp="1"/>
+          </p:cNvSpPr>
+          <p:nvPr>
+            <p:ph type="title"/>
+          </p:nvPr>
+        </p:nvSpPr>
+        <p:spPr/>
+        <p:txBody>
+          <a:bodyPr/>
+          <a:lstStyle/>
+          <a:p>
+            <a:r>
+              <a:rPr lang="en-US" b="0" dirty="0"/>
+              <a:t>Project Schedule</a:t>
+            </a:r>
+            <a:endParaRPr lang="en-US" dirty="0"/>
+          </a:p>
+        </p:txBody>
+      </p:sp>
+      <p:sp>
+        <p:nvSpPr>
+          <p:cNvPr id="3" name="Content Placeholder 2"/>
+          <p:cNvSpPr>
+            <a:spLocks noGrp="1"/>
+          </p:cNvSpPr>
+          <p:nvPr>
+            <p:ph idx="1"/>
+          </p:nvPr>
+        </p:nvSpPr>
+        <p:spPr>
+          <a:xfrm>
+            <a:off x="723754" y="1828800"/>
+            <a:ext cx="5372246" cy="4252898"/>
+          </a:xfrm>
+        </p:spPr>
+        <p:txBody>
+          <a:bodyPr>
+            <a:normAutofit/>
+          </a:bodyPr>
+          <a:lstStyle/>
+          <a:p>
+            <a:r>
+              <a:rPr lang="en-US" sz="3600" dirty="0">
+                <a:latin typeface="Arial" panose="020B0604020202020204" pitchFamily="34" charset="0"/>
+                <a:cs typeface="Arial" panose="020B0604020202020204" pitchFamily="34" charset="0"/>
+              </a:rPr>
+              <a:t>Accomplished task date before deadline.</a:t>
+            </a:r>
+          </a:p>
+          <a:p>
+            <a:r>
+              <a:rPr lang="en-US" sz="3600" dirty="0">
+                <a:latin typeface="Arial" panose="020B0604020202020204" pitchFamily="34" charset="0"/>
+                <a:cs typeface="Arial" panose="020B0604020202020204" pitchFamily="34" charset="0"/>
+              </a:rPr>
+              <a:t>Made changes according to due date.</a:t>
+            </a:r>
+          </a:p>
+          <a:p>
+            <a:r>
+              <a:rPr lang="en-US" sz="3600" dirty="0">
+                <a:latin typeface="Arial" panose="020B0604020202020204" pitchFamily="34" charset="0"/>
+                <a:cs typeface="Arial" panose="020B0604020202020204" pitchFamily="34" charset="0"/>
+              </a:rPr>
+              <a:t>College Strike affected the schedule but we </a:t>
+            </a:r>
+            <a:r>
+              <a:rPr lang="en-US" sz="3600" dirty="0" err="1">
+                <a:latin typeface="Arial" panose="020B0604020202020204" pitchFamily="34" charset="0"/>
+                <a:cs typeface="Arial" panose="020B0604020202020204" pitchFamily="34" charset="0"/>
+              </a:rPr>
+              <a:t>succeded</a:t>
+            </a:r>
+            <a:r>
+              <a:rPr lang="en-US" sz="3600" dirty="0">
+                <a:latin typeface="Arial" panose="020B0604020202020204" pitchFamily="34" charset="0"/>
+                <a:cs typeface="Arial" panose="020B0604020202020204" pitchFamily="34" charset="0"/>
+              </a:rPr>
+              <a:t>. </a:t>
+            </a:r>
+          </a:p>
+        </p:txBody>
+      </p:sp>
       <p:pic>
         <p:nvPicPr>
-          <p:cNvPr id="3076" name="Picture 4" descr="Image result for smirk emoji"/>
+          <p:cNvPr id="5" name="Content Placeholder 3">
+            <a:extLst>
+              <a:ext uri="{FF2B5EF4-FFF2-40B4-BE49-F238E27FC236}">
+                <a16:creationId xmlns:a16="http://schemas.microsoft.com/office/drawing/2014/main" id="{B3FC4B4C-E1E4-459B-906D-0936529AD4B0}"/>
+              </a:ext>
+            </a:extLst>
+          </p:cNvPr>
           <p:cNvPicPr>
-            <a:picLocks noChangeAspect="1" noChangeArrowheads="1"/>
+            <a:picLocks noChangeAspect="1"/>
           </p:cNvPicPr>
           <p:nvPr/>
         </p:nvPicPr>
         <p:blipFill>
-          <a:blip r:embed="rId3">
-            <a:extLst>
-              <a:ext uri="{BEBA8EAE-BF5A-486C-A8C5-ECC9F3942E4B}">
-                <a14:imgProps xmlns:a14="http://schemas.microsoft.com/office/drawing/2010/main">
-                  <a14:imgLayer r:embed="rId4">
-                    <a14:imgEffect>
-                      <a14:sharpenSoften amount="100000"/>
-                    </a14:imgEffect>
-                  </a14:imgLayer>
-                </a14:imgProps>
-              </a:ext>
-              <a:ext uri="{28A0092B-C50C-407E-A947-70E740481C1C}">
-                <a14:useLocalDpi xmlns:a14="http://schemas.microsoft.com/office/drawing/2010/main" val="0"/>
-              </a:ext>
-            </a:extLst>
-          </a:blip>
-          <a:srcRect/>
+          <a:blip r:embed="rId3"/>
           <a:stretch>
             <a:fillRect/>
           </a:stretch>
         </p:blipFill>
-        <p:spPr bwMode="auto">
+        <p:spPr>
           <a:xfrm>
-            <a:off x="6402559" y="1509698"/>
-            <a:ext cx="4572000" cy="4572000"/>
+            <a:off x="6096000" y="68326"/>
+            <a:ext cx="5870713" cy="6013372"/>
           </a:xfrm>
           <a:prstGeom prst="rect">
             <a:avLst/>
           </a:prstGeom>
-          <a:noFill/>
-          <a:effectLst>
-            <a:outerShdw blurRad="50800" dist="609600" dir="7740000" algn="ctr" rotWithShape="0">
-              <a:schemeClr val="bg1">
-                <a:lumMod val="75000"/>
-              </a:schemeClr>
-            </a:outerShdw>
-            <a:softEdge rad="127000"/>
-          </a:effectLst>
-          <a:extLst>
-            <a:ext uri="{909E8E84-426E-40DD-AFC4-6F175D3DCCD1}">
-              <a14:hiddenFill xmlns:a14="http://schemas.microsoft.com/office/drawing/2010/main">
-                <a:solidFill>
-                  <a:srgbClr val="FFFFFF"/>
-                </a:solidFill>
-              </a14:hiddenFill>
-            </a:ext>
-          </a:extLst>
         </p:spPr>
       </p:pic>
-      <p:sp>
-        <p:nvSpPr>
-          <p:cNvPr id="2" name="Title 1"/>
-          <p:cNvSpPr>
-            <a:spLocks noGrp="1"/>
-          </p:cNvSpPr>
-          <p:nvPr>
-            <p:ph type="title"/>
-          </p:nvPr>
-        </p:nvSpPr>
-        <p:spPr/>
-        <p:txBody>
-          <a:bodyPr/>
-          <a:lstStyle/>
-          <a:p>
-            <a:r>
-              <a:rPr lang="en-US" b="0" dirty="0"/>
-              <a:t>Project Schedule</a:t>
-            </a:r>
-            <a:endParaRPr lang="en-US" dirty="0"/>
-          </a:p>
-        </p:txBody>
-      </p:sp>
-      <p:sp>
-        <p:nvSpPr>
-          <p:cNvPr id="3" name="Content Placeholder 2"/>
-          <p:cNvSpPr>
-            <a:spLocks noGrp="1"/>
-          </p:cNvSpPr>
-          <p:nvPr>
-            <p:ph idx="1"/>
-          </p:nvPr>
-        </p:nvSpPr>
-        <p:spPr>
-          <a:xfrm>
-            <a:off x="1069848" y="2030906"/>
-            <a:ext cx="5524617" cy="4050792"/>
-          </a:xfrm>
-        </p:spPr>
-        <p:txBody>
-          <a:bodyPr>
-            <a:normAutofit/>
-          </a:bodyPr>
-          <a:lstStyle/>
-          <a:p>
-            <a:r>
-              <a:rPr lang="en-US" sz="3600" dirty="0">
-                <a:latin typeface="Arial" panose="020B0604020202020204" pitchFamily="34" charset="0"/>
-                <a:cs typeface="Arial" panose="020B0604020202020204" pitchFamily="34" charset="0"/>
-              </a:rPr>
-              <a:t>Accomplished task date before deadline</a:t>
-            </a:r>
-          </a:p>
-          <a:p>
-            <a:pPr marL="0" indent="0">
-              <a:buNone/>
-            </a:pPr>
-            <a:r>
-              <a:rPr lang="en-US" sz="3600" dirty="0">
-                <a:latin typeface="Arial" panose="020B0604020202020204" pitchFamily="34" charset="0"/>
-                <a:cs typeface="Arial" panose="020B0604020202020204" pitchFamily="34" charset="0"/>
-              </a:rPr>
-              <a:t> </a:t>
-            </a:r>
-          </a:p>
-        </p:txBody>
-      </p:sp>
     </p:spTree>
     <p:extLst>
       <p:ext uri="{BB962C8B-B14F-4D97-AF65-F5344CB8AC3E}">
